--- a/Documents/Presentation Watchistik.pptx
+++ b/Documents/Presentation Watchistik.pptx
@@ -108,6 +108,11 @@
       </a:defRPr>
     </a:lvl9pPr>
   </p:defaultTextStyle>
+  <p:extLst>
+    <p:ext uri="{EFAFB233-063F-42B5-8137-9DF3F51BA10A}">
+      <p15:sldGuideLst xmlns:p15="http://schemas.microsoft.com/office/powerpoint/2012/main"/>
+    </p:ext>
+  </p:extLst>
 </p:presentation>
 </file>
 
@@ -6242,44 +6247,91 @@
             <p:ph type="title"/>
           </p:nvPr>
         </p:nvSpPr>
-        <p:spPr/>
+        <p:spPr>
+          <a:xfrm>
+            <a:off x="1484311" y="0"/>
+            <a:ext cx="10018713" cy="713232"/>
+          </a:xfrm>
+        </p:spPr>
         <p:txBody>
           <a:bodyPr/>
           <a:lstStyle/>
           <a:p>
             <a:r>
               <a:rPr lang="fr-FR" dirty="0"/>
-              <a:t>Le configurateur</a:t>
-            </a:r>
-          </a:p>
-        </p:txBody>
-      </p:sp>
-      <p:sp>
-        <p:nvSpPr>
-          <p:cNvPr id="3" name="Espace réservé du contenu 2">
+              <a:t>Le Configurateur</a:t>
+            </a:r>
+          </a:p>
+        </p:txBody>
+      </p:sp>
+      <p:pic>
+        <p:nvPicPr>
+          <p:cNvPr id="11" name="Image 10">
             <a:extLst>
               <a:ext uri="{FF2B5EF4-FFF2-40B4-BE49-F238E27FC236}">
-                <a16:creationId xmlns:a16="http://schemas.microsoft.com/office/drawing/2014/main" id="{AA47C277-C5C4-4457-949A-805D9289C369}"/>
+                <a16:creationId xmlns:a16="http://schemas.microsoft.com/office/drawing/2014/main" id="{07742CB9-1E66-4153-B8E6-CD7B8A01134F}"/>
               </a:ext>
             </a:extLst>
           </p:cNvPr>
-          <p:cNvSpPr>
-            <a:spLocks noGrp="1"/>
-          </p:cNvSpPr>
-          <p:nvPr>
-            <p:ph idx="1"/>
-          </p:nvPr>
-        </p:nvSpPr>
+          <p:cNvPicPr>
+            <a:picLocks noChangeAspect="1"/>
+          </p:cNvPicPr>
+          <p:nvPr/>
+        </p:nvPicPr>
+        <p:blipFill>
+          <a:blip r:embed="rId2">
+            <a:extLst>
+              <a:ext uri="{28A0092B-C50C-407E-A947-70E740481C1C}">
+                <a14:useLocalDpi xmlns:a14="http://schemas.microsoft.com/office/drawing/2010/main" val="0"/>
+              </a:ext>
+            </a:extLst>
+          </a:blip>
+          <a:stretch>
+            <a:fillRect/>
+          </a:stretch>
+        </p:blipFill>
         <p:spPr>
           <a:xfrm>
-            <a:off x="1484310" y="2221992"/>
-            <a:ext cx="10018713" cy="4078223"/>
+            <a:off x="2569464" y="811681"/>
+            <a:ext cx="2761586" cy="5872581"/>
           </a:xfrm>
+          <a:prstGeom prst="rect">
+            <a:avLst/>
+          </a:prstGeom>
         </p:spPr>
-        <p:txBody>
-          <a:bodyPr/>
-          <a:lstStyle/>
-          <a:p>
+      </p:pic>
+      <p:sp>
+        <p:nvSpPr>
+          <p:cNvPr id="12" name="ZoneTexte 11">
+            <a:extLst>
+              <a:ext uri="{FF2B5EF4-FFF2-40B4-BE49-F238E27FC236}">
+                <a16:creationId xmlns:a16="http://schemas.microsoft.com/office/drawing/2014/main" id="{7E69EE44-1A62-4865-A9B4-16946DD4EE75}"/>
+              </a:ext>
+            </a:extLst>
+          </p:cNvPr>
+          <p:cNvSpPr txBox="1"/>
+          <p:nvPr/>
+        </p:nvSpPr>
+        <p:spPr>
+          <a:xfrm>
+            <a:off x="5724144" y="811680"/>
+            <a:ext cx="6126480" cy="369332"/>
+          </a:xfrm>
+          <a:prstGeom prst="rect">
+            <a:avLst/>
+          </a:prstGeom>
+          <a:noFill/>
+        </p:spPr>
+        <p:txBody>
+          <a:bodyPr wrap="square" rtlCol="0">
+            <a:spAutoFit/>
+          </a:bodyPr>
+          <a:lstStyle/>
+          <a:p>
+            <a:r>
+              <a:rPr lang="fr-FR"/>
+              <a:t>- </a:t>
+            </a:r>
             <a:endParaRPr lang="fr-FR" dirty="0"/>
           </a:p>
         </p:txBody>
